--- a/ポケモンクイズ_木原寛太.pptx
+++ b/ポケモンクイズ_木原寛太.pptx
@@ -7,6 +7,7 @@
   <p:sldIdLst>
     <p:sldId id="256" r:id="rId2"/>
     <p:sldId id="257" r:id="rId3"/>
+    <p:sldId id="258" r:id="rId4"/>
   </p:sldIdLst>
   <p:sldSz cx="12192000" cy="6858000"/>
   <p:notesSz cx="6858000" cy="9144000"/>
@@ -105,6 +106,11 @@
       </a:defRPr>
     </a:lvl9pPr>
   </p:defaultTextStyle>
+  <p:extLst>
+    <p:ext uri="{EFAFB233-063F-42B5-8137-9DF3F51BA10A}">
+      <p15:sldGuideLst xmlns:p15="http://schemas.microsoft.com/office/powerpoint/2012/main"/>
+    </p:ext>
+  </p:extLst>
 </p:presentation>
 </file>
 
@@ -3661,7 +3667,15 @@
           <a:p>
             <a:r>
               <a:rPr kumimoji="1" lang="ja-JP" altLang="en-US" dirty="0"/>
-              <a:t>木原寛太</a:t>
+              <a:t>高度情報工学科 </a:t>
+            </a:r>
+            <a:r>
+              <a:rPr lang="ja-JP" altLang="en-US" dirty="0"/>
+              <a:t>４</a:t>
+            </a:r>
+            <a:r>
+              <a:rPr kumimoji="1" lang="ja-JP" altLang="en-US" dirty="0"/>
+              <a:t>年　木原寛太</a:t>
             </a:r>
           </a:p>
         </p:txBody>
@@ -3717,7 +3731,10 @@
           <a:bodyPr/>
           <a:lstStyle/>
           <a:p>
-            <a:endParaRPr kumimoji="1" lang="ja-JP" altLang="en-US"/>
+            <a:r>
+              <a:rPr kumimoji="1" lang="ja-JP" altLang="en-US" dirty="0"/>
+              <a:t>使ったもの</a:t>
+            </a:r>
           </a:p>
         </p:txBody>
       </p:sp>
@@ -3742,7 +3759,51 @@
           <a:bodyPr/>
           <a:lstStyle/>
           <a:p>
-            <a:endParaRPr kumimoji="1" lang="ja-JP" altLang="en-US"/>
+            <a:r>
+              <a:rPr kumimoji="1" lang="ja-JP" altLang="en-US" dirty="0"/>
+              <a:t>言語 </a:t>
+            </a:r>
+            <a:r>
+              <a:rPr kumimoji="1" lang="en-US" altLang="ja-JP" dirty="0"/>
+              <a:t>Dart</a:t>
+            </a:r>
+          </a:p>
+          <a:p>
+            <a:r>
+              <a:rPr lang="ja-JP" altLang="en-US" dirty="0"/>
+              <a:t>フレームワーク </a:t>
+            </a:r>
+            <a:r>
+              <a:rPr lang="en-US" altLang="ja-JP" dirty="0"/>
+              <a:t>Flutter</a:t>
+            </a:r>
+          </a:p>
+          <a:p>
+            <a:r>
+              <a:rPr lang="en-US" altLang="ja-JP" dirty="0"/>
+              <a:t>Flutter</a:t>
+            </a:r>
+            <a:r>
+              <a:rPr lang="ja-JP" altLang="en-US" dirty="0"/>
+              <a:t>バージョン　</a:t>
+            </a:r>
+            <a:r>
+              <a:rPr lang="en-US" altLang="ja-JP" dirty="0"/>
+              <a:t>3.19.6</a:t>
+            </a:r>
+          </a:p>
+          <a:p>
+            <a:r>
+              <a:rPr kumimoji="1" lang="ja-JP" altLang="en-US" dirty="0"/>
+              <a:t>データベース </a:t>
+            </a:r>
+            <a:r>
+              <a:rPr kumimoji="1" lang="en-US" altLang="ja-JP" dirty="0"/>
+              <a:t>Firebase</a:t>
+            </a:r>
+          </a:p>
+          <a:p>
+            <a:endParaRPr kumimoji="1" lang="ja-JP" altLang="en-US" dirty="0"/>
           </a:p>
         </p:txBody>
       </p:sp>
@@ -3750,6 +3811,92 @@
     <p:extLst>
       <p:ext uri="{BB962C8B-B14F-4D97-AF65-F5344CB8AC3E}">
         <p14:creationId xmlns:p14="http://schemas.microsoft.com/office/powerpoint/2010/main" val="1859296973"/>
+      </p:ext>
+    </p:extLst>
+  </p:cSld>
+  <p:clrMapOvr>
+    <a:masterClrMapping/>
+  </p:clrMapOvr>
+</p:sld>
+</file>
+
+<file path=ppt/slides/slide3.xml><?xml version="1.0" encoding="utf-8"?>
+<p:sld xmlns:a="http://schemas.openxmlformats.org/drawingml/2006/main" xmlns:r="http://schemas.openxmlformats.org/officeDocument/2006/relationships" xmlns:p="http://schemas.openxmlformats.org/presentationml/2006/main">
+  <p:cSld>
+    <p:spTree>
+      <p:nvGrpSpPr>
+        <p:cNvPr id="1" name=""/>
+        <p:cNvGrpSpPr/>
+        <p:nvPr/>
+      </p:nvGrpSpPr>
+      <p:grpSpPr>
+        <a:xfrm>
+          <a:off x="0" y="0"/>
+          <a:ext cx="0" cy="0"/>
+          <a:chOff x="0" y="0"/>
+          <a:chExt cx="0" cy="0"/>
+        </a:xfrm>
+      </p:grpSpPr>
+      <p:sp>
+        <p:nvSpPr>
+          <p:cNvPr id="2" name="タイトル 1">
+            <a:extLst>
+              <a:ext uri="{FF2B5EF4-FFF2-40B4-BE49-F238E27FC236}">
+                <a16:creationId xmlns:a16="http://schemas.microsoft.com/office/drawing/2014/main" id="{6C3D7442-1630-FD60-76BA-6313186E1F10}"/>
+              </a:ext>
+            </a:extLst>
+          </p:cNvPr>
+          <p:cNvSpPr>
+            <a:spLocks noGrp="1"/>
+          </p:cNvSpPr>
+          <p:nvPr>
+            <p:ph type="title"/>
+          </p:nvPr>
+        </p:nvSpPr>
+        <p:spPr/>
+        <p:txBody>
+          <a:bodyPr/>
+          <a:lstStyle/>
+          <a:p>
+            <a:r>
+              <a:rPr kumimoji="1" lang="ja-JP" altLang="en-US" dirty="0"/>
+              <a:t>概要</a:t>
+            </a:r>
+          </a:p>
+        </p:txBody>
+      </p:sp>
+      <p:sp>
+        <p:nvSpPr>
+          <p:cNvPr id="3" name="コンテンツ プレースホルダー 2">
+            <a:extLst>
+              <a:ext uri="{FF2B5EF4-FFF2-40B4-BE49-F238E27FC236}">
+                <a16:creationId xmlns:a16="http://schemas.microsoft.com/office/drawing/2014/main" id="{D7270E5B-36BE-236A-FFAE-641CD9708E65}"/>
+              </a:ext>
+            </a:extLst>
+          </p:cNvPr>
+          <p:cNvSpPr>
+            <a:spLocks noGrp="1"/>
+          </p:cNvSpPr>
+          <p:nvPr>
+            <p:ph idx="1"/>
+          </p:nvPr>
+        </p:nvSpPr>
+        <p:spPr/>
+        <p:txBody>
+          <a:bodyPr/>
+          <a:lstStyle/>
+          <a:p>
+            <a:r>
+              <a:rPr kumimoji="1" lang="ja-JP" altLang="en-US" dirty="0"/>
+              <a:t>僕の描いたポケモンの絵の名前を四択から当ててもらう</a:t>
+            </a:r>
+          </a:p>
+        </p:txBody>
+      </p:sp>
+    </p:spTree>
+    <p:extLst>
+      <p:ext uri="{BB962C8B-B14F-4D97-AF65-F5344CB8AC3E}">
+        <p14:creationId xmlns:p14="http://schemas.microsoft.com/office/powerpoint/2010/main" val="1603427165"/>
       </p:ext>
     </p:extLst>
   </p:cSld>

--- a/ポケモンクイズ_木原寛太.pptx
+++ b/ポケモンクイズ_木原寛太.pptx
@@ -8,6 +8,8 @@
     <p:sldId id="256" r:id="rId2"/>
     <p:sldId id="257" r:id="rId3"/>
     <p:sldId id="258" r:id="rId4"/>
+    <p:sldId id="259" r:id="rId5"/>
+    <p:sldId id="260" r:id="rId6"/>
   </p:sldIdLst>
   <p:sldSz cx="12192000" cy="6858000"/>
   <p:notesSz cx="6858000" cy="9144000"/>
@@ -261,7 +263,7 @@
           <a:p>
             <a:fld id="{7178E3E4-C798-460B-9A01-106C6BC43607}" type="datetimeFigureOut">
               <a:rPr kumimoji="1" lang="ja-JP" altLang="en-US" smtClean="0"/>
-              <a:t>2024/7/10</a:t>
+              <a:t>2024/7/17</a:t>
             </a:fld>
             <a:endParaRPr kumimoji="1" lang="ja-JP" altLang="en-US"/>
           </a:p>
@@ -491,7 +493,7 @@
           <a:p>
             <a:fld id="{7178E3E4-C798-460B-9A01-106C6BC43607}" type="datetimeFigureOut">
               <a:rPr kumimoji="1" lang="ja-JP" altLang="en-US" smtClean="0"/>
-              <a:t>2024/7/10</a:t>
+              <a:t>2024/7/17</a:t>
             </a:fld>
             <a:endParaRPr kumimoji="1" lang="ja-JP" altLang="en-US"/>
           </a:p>
@@ -731,7 +733,7 @@
           <a:p>
             <a:fld id="{7178E3E4-C798-460B-9A01-106C6BC43607}" type="datetimeFigureOut">
               <a:rPr kumimoji="1" lang="ja-JP" altLang="en-US" smtClean="0"/>
-              <a:t>2024/7/10</a:t>
+              <a:t>2024/7/17</a:t>
             </a:fld>
             <a:endParaRPr kumimoji="1" lang="ja-JP" altLang="en-US"/>
           </a:p>
@@ -961,7 +963,7 @@
           <a:p>
             <a:fld id="{7178E3E4-C798-460B-9A01-106C6BC43607}" type="datetimeFigureOut">
               <a:rPr kumimoji="1" lang="ja-JP" altLang="en-US" smtClean="0"/>
-              <a:t>2024/7/10</a:t>
+              <a:t>2024/7/17</a:t>
             </a:fld>
             <a:endParaRPr kumimoji="1" lang="ja-JP" altLang="en-US"/>
           </a:p>
@@ -1236,7 +1238,7 @@
           <a:p>
             <a:fld id="{7178E3E4-C798-460B-9A01-106C6BC43607}" type="datetimeFigureOut">
               <a:rPr kumimoji="1" lang="ja-JP" altLang="en-US" smtClean="0"/>
-              <a:t>2024/7/10</a:t>
+              <a:t>2024/7/17</a:t>
             </a:fld>
             <a:endParaRPr kumimoji="1" lang="ja-JP" altLang="en-US"/>
           </a:p>
@@ -1565,7 +1567,7 @@
           <a:p>
             <a:fld id="{7178E3E4-C798-460B-9A01-106C6BC43607}" type="datetimeFigureOut">
               <a:rPr kumimoji="1" lang="ja-JP" altLang="en-US" smtClean="0"/>
-              <a:t>2024/7/10</a:t>
+              <a:t>2024/7/17</a:t>
             </a:fld>
             <a:endParaRPr kumimoji="1" lang="ja-JP" altLang="en-US"/>
           </a:p>
@@ -2041,7 +2043,7 @@
           <a:p>
             <a:fld id="{7178E3E4-C798-460B-9A01-106C6BC43607}" type="datetimeFigureOut">
               <a:rPr kumimoji="1" lang="ja-JP" altLang="en-US" smtClean="0"/>
-              <a:t>2024/7/10</a:t>
+              <a:t>2024/7/17</a:t>
             </a:fld>
             <a:endParaRPr kumimoji="1" lang="ja-JP" altLang="en-US"/>
           </a:p>
@@ -2182,7 +2184,7 @@
           <a:p>
             <a:fld id="{7178E3E4-C798-460B-9A01-106C6BC43607}" type="datetimeFigureOut">
               <a:rPr kumimoji="1" lang="ja-JP" altLang="en-US" smtClean="0"/>
-              <a:t>2024/7/10</a:t>
+              <a:t>2024/7/17</a:t>
             </a:fld>
             <a:endParaRPr kumimoji="1" lang="ja-JP" altLang="en-US"/>
           </a:p>
@@ -2295,7 +2297,7 @@
           <a:p>
             <a:fld id="{7178E3E4-C798-460B-9A01-106C6BC43607}" type="datetimeFigureOut">
               <a:rPr kumimoji="1" lang="ja-JP" altLang="en-US" smtClean="0"/>
-              <a:t>2024/7/10</a:t>
+              <a:t>2024/7/17</a:t>
             </a:fld>
             <a:endParaRPr kumimoji="1" lang="ja-JP" altLang="en-US"/>
           </a:p>
@@ -2638,7 +2640,7 @@
           <a:p>
             <a:fld id="{7178E3E4-C798-460B-9A01-106C6BC43607}" type="datetimeFigureOut">
               <a:rPr kumimoji="1" lang="ja-JP" altLang="en-US" smtClean="0"/>
-              <a:t>2024/7/10</a:t>
+              <a:t>2024/7/17</a:t>
             </a:fld>
             <a:endParaRPr kumimoji="1" lang="ja-JP" altLang="en-US"/>
           </a:p>
@@ -2926,7 +2928,7 @@
           <a:p>
             <a:fld id="{7178E3E4-C798-460B-9A01-106C6BC43607}" type="datetimeFigureOut">
               <a:rPr kumimoji="1" lang="ja-JP" altLang="en-US" smtClean="0"/>
-              <a:t>2024/7/10</a:t>
+              <a:t>2024/7/17</a:t>
             </a:fld>
             <a:endParaRPr kumimoji="1" lang="ja-JP" altLang="en-US"/>
           </a:p>
@@ -3199,7 +3201,7 @@
           <a:p>
             <a:fld id="{7178E3E4-C798-460B-9A01-106C6BC43607}" type="datetimeFigureOut">
               <a:rPr kumimoji="1" lang="ja-JP" altLang="en-US" smtClean="0"/>
-              <a:t>2024/7/10</a:t>
+              <a:t>2024/7/17</a:t>
             </a:fld>
             <a:endParaRPr kumimoji="1" lang="ja-JP" altLang="en-US"/>
           </a:p>
@@ -3602,6 +3604,14 @@
 <file path=ppt/slides/slide1.xml><?xml version="1.0" encoding="utf-8"?>
 <p:sld xmlns:a="http://schemas.openxmlformats.org/drawingml/2006/main" xmlns:r="http://schemas.openxmlformats.org/officeDocument/2006/relationships" xmlns:p="http://schemas.openxmlformats.org/presentationml/2006/main">
   <p:cSld>
+    <p:bg>
+      <p:bgPr>
+        <a:solidFill>
+          <a:schemeClr val="bg1"/>
+        </a:solidFill>
+        <a:effectLst/>
+      </p:bgPr>
+    </p:bg>
     <p:spTree>
       <p:nvGrpSpPr>
         <p:cNvPr id="1" name=""/>
@@ -3616,6 +3626,66 @@
           <a:chExt cx="0" cy="0"/>
         </a:xfrm>
       </p:grpSpPr>
+      <p:sp useBgFill="1">
+        <p:nvSpPr>
+          <p:cNvPr id="1045" name="Rectangle 1036">
+            <a:extLst>
+              <a:ext uri="{FF2B5EF4-FFF2-40B4-BE49-F238E27FC236}">
+                <a16:creationId xmlns:a16="http://schemas.microsoft.com/office/drawing/2014/main" id="{7C9BE72A-4F97-4FA0-AF09-2C65D071CFF3}"/>
+              </a:ext>
+              <a:ext uri="{C183D7F6-B498-43B3-948B-1728B52AA6E4}">
+                <adec:decorative xmlns:adec="http://schemas.microsoft.com/office/drawing/2017/decorative" val="1"/>
+              </a:ext>
+            </a:extLst>
+          </p:cNvPr>
+          <p:cNvSpPr>
+            <a:spLocks noGrp="1" noRot="1" noChangeAspect="1" noMove="1" noResize="1" noEditPoints="1" noAdjustHandles="1" noChangeArrowheads="1" noChangeShapeType="1" noTextEdit="1"/>
+          </p:cNvSpPr>
+          <p:nvPr>
+            <p:extLst>
+              <p:ext uri="{386F3935-93C4-4BCD-93E2-E3B085C9AB24}">
+                <p16:designElem xmlns:p16="http://schemas.microsoft.com/office/powerpoint/2015/main" val="1"/>
+              </p:ext>
+            </p:extLst>
+          </p:nvPr>
+        </p:nvSpPr>
+        <p:spPr>
+          <a:xfrm>
+            <a:off x="-1" y="0"/>
+            <a:ext cx="12188952" cy="6858000"/>
+          </a:xfrm>
+          <a:prstGeom prst="rect">
+            <a:avLst/>
+          </a:prstGeom>
+          <a:ln>
+            <a:noFill/>
+          </a:ln>
+        </p:spPr>
+        <p:style>
+          <a:lnRef idx="2">
+            <a:schemeClr val="accent1">
+              <a:shade val="50000"/>
+            </a:schemeClr>
+          </a:lnRef>
+          <a:fillRef idx="1">
+            <a:schemeClr val="accent1"/>
+          </a:fillRef>
+          <a:effectRef idx="0">
+            <a:schemeClr val="accent1"/>
+          </a:effectRef>
+          <a:fontRef idx="minor">
+            <a:schemeClr val="lt1"/>
+          </a:fontRef>
+        </p:style>
+        <p:txBody>
+          <a:bodyPr rtlCol="0" anchor="ctr"/>
+          <a:lstStyle/>
+          <a:p>
+            <a:pPr algn="ctr"/>
+            <a:endParaRPr lang="en-US"/>
+          </a:p>
+        </p:txBody>
+      </p:sp>
       <p:sp>
         <p:nvSpPr>
           <p:cNvPr id="2" name="タイトル 1">
@@ -3632,13 +3702,20 @@
             <p:ph type="ctrTitle"/>
           </p:nvPr>
         </p:nvSpPr>
-        <p:spPr/>
-        <p:txBody>
-          <a:bodyPr/>
-          <a:lstStyle/>
-          <a:p>
-            <a:r>
-              <a:rPr kumimoji="1" lang="ja-JP" altLang="en-US" dirty="0"/>
+        <p:spPr>
+          <a:xfrm>
+            <a:off x="841248" y="4072047"/>
+            <a:ext cx="10506456" cy="1130994"/>
+          </a:xfrm>
+        </p:spPr>
+        <p:txBody>
+          <a:bodyPr>
+            <a:normAutofit/>
+          </a:bodyPr>
+          <a:lstStyle/>
+          <a:p>
+            <a:r>
+              <a:rPr kumimoji="1" lang="ja-JP" altLang="en-US" sz="5200" b="1"/>
               <a:t>ポケモンクイズ</a:t>
             </a:r>
           </a:p>
@@ -3660,26 +3737,169 @@
             <p:ph type="subTitle" idx="1"/>
           </p:nvPr>
         </p:nvSpPr>
-        <p:spPr/>
-        <p:txBody>
-          <a:bodyPr/>
-          <a:lstStyle/>
-          <a:p>
-            <a:r>
-              <a:rPr kumimoji="1" lang="ja-JP" altLang="en-US" dirty="0"/>
+        <p:spPr>
+          <a:xfrm>
+            <a:off x="841248" y="5374756"/>
+            <a:ext cx="10506456" cy="752188"/>
+          </a:xfrm>
+        </p:spPr>
+        <p:txBody>
+          <a:bodyPr>
+            <a:normAutofit/>
+          </a:bodyPr>
+          <a:lstStyle/>
+          <a:p>
+            <a:r>
+              <a:rPr kumimoji="1" lang="ja-JP" altLang="en-US"/>
               <a:t>高度情報工学科 </a:t>
             </a:r>
             <a:r>
-              <a:rPr lang="ja-JP" altLang="en-US" dirty="0"/>
+              <a:rPr lang="ja-JP" altLang="en-US"/>
               <a:t>４</a:t>
             </a:r>
             <a:r>
-              <a:rPr kumimoji="1" lang="ja-JP" altLang="en-US" dirty="0"/>
+              <a:rPr kumimoji="1" lang="ja-JP" altLang="en-US"/>
               <a:t>年　木原寛太</a:t>
             </a:r>
-          </a:p>
-        </p:txBody>
-      </p:sp>
+            <a:endParaRPr kumimoji="1" lang="ja-JP" altLang="en-US" dirty="0"/>
+          </a:p>
+        </p:txBody>
+      </p:sp>
+      <p:pic>
+        <p:nvPicPr>
+          <p:cNvPr id="1026" name="Picture 2" descr="トップページ｜ポケモンずかん">
+            <a:extLst>
+              <a:ext uri="{FF2B5EF4-FFF2-40B4-BE49-F238E27FC236}">
+                <a16:creationId xmlns:a16="http://schemas.microsoft.com/office/drawing/2014/main" id="{0085ECBA-A632-D7B8-FB23-3CB72B30DB56}"/>
+              </a:ext>
+            </a:extLst>
+          </p:cNvPr>
+          <p:cNvPicPr>
+            <a:picLocks noChangeAspect="1" noChangeArrowheads="1"/>
+          </p:cNvPicPr>
+          <p:nvPr/>
+        </p:nvPicPr>
+        <p:blipFill>
+          <a:blip r:embed="rId2">
+            <a:extLst>
+              <a:ext uri="{28A0092B-C50C-407E-A947-70E740481C1C}">
+                <a14:useLocalDpi xmlns:a14="http://schemas.microsoft.com/office/drawing/2010/main" val="0"/>
+              </a:ext>
+            </a:extLst>
+          </a:blip>
+          <a:srcRect t="2115"/>
+          <a:stretch/>
+        </p:blipFill>
+        <p:spPr bwMode="auto">
+          <a:xfrm>
+            <a:off x="203682" y="181113"/>
+            <a:ext cx="3797398" cy="3717071"/>
+          </a:xfrm>
+          <a:prstGeom prst="rect">
+            <a:avLst/>
+          </a:prstGeom>
+          <a:noFill/>
+          <a:extLst>
+            <a:ext uri="{909E8E84-426E-40DD-AFC4-6F175D3DCCD1}">
+              <a14:hiddenFill xmlns:a14="http://schemas.microsoft.com/office/drawing/2010/main">
+                <a:solidFill>
+                  <a:srgbClr val="FFFFFF"/>
+                </a:solidFill>
+              </a14:hiddenFill>
+            </a:ext>
+          </a:extLst>
+        </p:spPr>
+      </p:pic>
+      <p:pic>
+        <p:nvPicPr>
+          <p:cNvPr id="1032" name="Picture 8" descr="トップページ｜ポケモンずかん">
+            <a:extLst>
+              <a:ext uri="{FF2B5EF4-FFF2-40B4-BE49-F238E27FC236}">
+                <a16:creationId xmlns:a16="http://schemas.microsoft.com/office/drawing/2014/main" id="{281FECD0-68AA-6A57-F6BC-92964E52624E}"/>
+              </a:ext>
+            </a:extLst>
+          </p:cNvPr>
+          <p:cNvPicPr>
+            <a:picLocks noChangeAspect="1" noChangeArrowheads="1"/>
+          </p:cNvPicPr>
+          <p:nvPr/>
+        </p:nvPicPr>
+        <p:blipFill>
+          <a:blip r:embed="rId2">
+            <a:extLst>
+              <a:ext uri="{28A0092B-C50C-407E-A947-70E740481C1C}">
+                <a14:useLocalDpi xmlns:a14="http://schemas.microsoft.com/office/drawing/2010/main" val="0"/>
+              </a:ext>
+            </a:extLst>
+          </a:blip>
+          <a:srcRect t="2567" r="2" b="2"/>
+          <a:stretch/>
+        </p:blipFill>
+        <p:spPr bwMode="auto">
+          <a:xfrm>
+            <a:off x="4193167" y="181113"/>
+            <a:ext cx="3815005" cy="3717071"/>
+          </a:xfrm>
+          <a:prstGeom prst="rect">
+            <a:avLst/>
+          </a:prstGeom>
+          <a:noFill/>
+          <a:extLst>
+            <a:ext uri="{909E8E84-426E-40DD-AFC4-6F175D3DCCD1}">
+              <a14:hiddenFill xmlns:a14="http://schemas.microsoft.com/office/drawing/2010/main">
+                <a:solidFill>
+                  <a:srgbClr val="FFFFFF"/>
+                </a:solidFill>
+              </a14:hiddenFill>
+            </a:ext>
+          </a:extLst>
+        </p:spPr>
+      </p:pic>
+      <p:pic>
+        <p:nvPicPr>
+          <p:cNvPr id="1028" name="Picture 4" descr="トップページ｜ポケモンずかん">
+            <a:extLst>
+              <a:ext uri="{FF2B5EF4-FFF2-40B4-BE49-F238E27FC236}">
+                <a16:creationId xmlns:a16="http://schemas.microsoft.com/office/drawing/2014/main" id="{3950C8E7-AE0D-F859-3E5D-85B21601BB97}"/>
+              </a:ext>
+            </a:extLst>
+          </p:cNvPr>
+          <p:cNvPicPr>
+            <a:picLocks noChangeAspect="1" noChangeArrowheads="1"/>
+          </p:cNvPicPr>
+          <p:nvPr/>
+        </p:nvPicPr>
+        <p:blipFill>
+          <a:blip r:embed="rId2">
+            <a:extLst>
+              <a:ext uri="{28A0092B-C50C-407E-A947-70E740481C1C}">
+                <a14:useLocalDpi xmlns:a14="http://schemas.microsoft.com/office/drawing/2010/main" val="0"/>
+              </a:ext>
+            </a:extLst>
+          </a:blip>
+          <a:srcRect t="2164" r="-2" b="-2"/>
+          <a:stretch/>
+        </p:blipFill>
+        <p:spPr bwMode="auto">
+          <a:xfrm>
+            <a:off x="8190920" y="181113"/>
+            <a:ext cx="3799289" cy="3717071"/>
+          </a:xfrm>
+          <a:prstGeom prst="rect">
+            <a:avLst/>
+          </a:prstGeom>
+          <a:noFill/>
+          <a:extLst>
+            <a:ext uri="{909E8E84-426E-40DD-AFC4-6F175D3DCCD1}">
+              <a14:hiddenFill xmlns:a14="http://schemas.microsoft.com/office/drawing/2010/main">
+                <a:solidFill>
+                  <a:srgbClr val="FFFFFF"/>
+                </a:solidFill>
+              </a14:hiddenFill>
+            </a:ext>
+          </a:extLst>
+        </p:spPr>
+      </p:pic>
     </p:spTree>
     <p:extLst>
       <p:ext uri="{BB962C8B-B14F-4D97-AF65-F5344CB8AC3E}">
@@ -3732,7 +3952,7 @@
           <a:lstStyle/>
           <a:p>
             <a:r>
-              <a:rPr kumimoji="1" lang="ja-JP" altLang="en-US" dirty="0"/>
+              <a:rPr kumimoji="1" lang="ja-JP" altLang="en-US" b="1" dirty="0"/>
               <a:t>使ったもの</a:t>
             </a:r>
           </a:p>
@@ -3853,13 +4073,18 @@
             <p:ph type="title"/>
           </p:nvPr>
         </p:nvSpPr>
-        <p:spPr/>
-        <p:txBody>
-          <a:bodyPr/>
-          <a:lstStyle/>
-          <a:p>
-            <a:r>
-              <a:rPr kumimoji="1" lang="ja-JP" altLang="en-US" dirty="0"/>
+        <p:spPr>
+          <a:xfrm>
+            <a:off x="838200" y="365125"/>
+            <a:ext cx="1352107" cy="1325563"/>
+          </a:xfrm>
+        </p:spPr>
+        <p:txBody>
+          <a:bodyPr/>
+          <a:lstStyle/>
+          <a:p>
+            <a:r>
+              <a:rPr kumimoji="1" lang="ja-JP" altLang="en-US" b="1" dirty="0"/>
               <a:t>概要</a:t>
             </a:r>
           </a:p>
@@ -3881,13 +4106,23 @@
             <p:ph idx="1"/>
           </p:nvPr>
         </p:nvSpPr>
-        <p:spPr/>
-        <p:txBody>
-          <a:bodyPr/>
-          <a:lstStyle/>
-          <a:p>
-            <a:r>
-              <a:rPr kumimoji="1" lang="ja-JP" altLang="en-US" dirty="0"/>
+        <p:spPr>
+          <a:xfrm>
+            <a:off x="838200" y="2506662"/>
+            <a:ext cx="10515600" cy="4351338"/>
+          </a:xfrm>
+        </p:spPr>
+        <p:txBody>
+          <a:bodyPr>
+            <a:normAutofit/>
+          </a:bodyPr>
+          <a:lstStyle/>
+          <a:p>
+            <a:pPr marL="0" indent="0">
+              <a:buNone/>
+            </a:pPr>
+            <a:r>
+              <a:rPr kumimoji="1" lang="ja-JP" altLang="en-US" sz="4400" dirty="0"/>
               <a:t>僕の描いたポケモンの絵の名前を四択から当ててもらう</a:t>
             </a:r>
           </a:p>
@@ -3897,6 +4132,249 @@
     <p:extLst>
       <p:ext uri="{BB962C8B-B14F-4D97-AF65-F5344CB8AC3E}">
         <p14:creationId xmlns:p14="http://schemas.microsoft.com/office/powerpoint/2010/main" val="1603427165"/>
+      </p:ext>
+    </p:extLst>
+  </p:cSld>
+  <p:clrMapOvr>
+    <a:masterClrMapping/>
+  </p:clrMapOvr>
+</p:sld>
+</file>
+
+<file path=ppt/slides/slide4.xml><?xml version="1.0" encoding="utf-8"?>
+<p:sld xmlns:a="http://schemas.openxmlformats.org/drawingml/2006/main" xmlns:r="http://schemas.openxmlformats.org/officeDocument/2006/relationships" xmlns:p="http://schemas.openxmlformats.org/presentationml/2006/main">
+  <p:cSld>
+    <p:spTree>
+      <p:nvGrpSpPr>
+        <p:cNvPr id="1" name=""/>
+        <p:cNvGrpSpPr/>
+        <p:nvPr/>
+      </p:nvGrpSpPr>
+      <p:grpSpPr>
+        <a:xfrm>
+          <a:off x="0" y="0"/>
+          <a:ext cx="0" cy="0"/>
+          <a:chOff x="0" y="0"/>
+          <a:chExt cx="0" cy="0"/>
+        </a:xfrm>
+      </p:grpSpPr>
+      <p:sp>
+        <p:nvSpPr>
+          <p:cNvPr id="2" name="タイトル 1">
+            <a:extLst>
+              <a:ext uri="{FF2B5EF4-FFF2-40B4-BE49-F238E27FC236}">
+                <a16:creationId xmlns:a16="http://schemas.microsoft.com/office/drawing/2014/main" id="{B2CB0385-5D51-8CF3-C90B-AF2BB7BA9ABE}"/>
+              </a:ext>
+            </a:extLst>
+          </p:cNvPr>
+          <p:cNvSpPr>
+            <a:spLocks noGrp="1"/>
+          </p:cNvSpPr>
+          <p:nvPr>
+            <p:ph type="ctrTitle"/>
+          </p:nvPr>
+        </p:nvSpPr>
+        <p:spPr>
+          <a:xfrm>
+            <a:off x="754912" y="409982"/>
+            <a:ext cx="7666074" cy="982884"/>
+          </a:xfrm>
+        </p:spPr>
+        <p:txBody>
+          <a:bodyPr>
+            <a:normAutofit/>
+          </a:bodyPr>
+          <a:lstStyle/>
+          <a:p>
+            <a:r>
+              <a:rPr kumimoji="1" lang="ja-JP" altLang="en-US" b="1" dirty="0"/>
+              <a:t>実装したかった機能</a:t>
+            </a:r>
+          </a:p>
+        </p:txBody>
+      </p:sp>
+      <p:sp>
+        <p:nvSpPr>
+          <p:cNvPr id="3" name="字幕 2">
+            <a:extLst>
+              <a:ext uri="{FF2B5EF4-FFF2-40B4-BE49-F238E27FC236}">
+                <a16:creationId xmlns:a16="http://schemas.microsoft.com/office/drawing/2014/main" id="{226DD2BE-AE19-BC62-1C75-B7FAEE21F2B1}"/>
+              </a:ext>
+            </a:extLst>
+          </p:cNvPr>
+          <p:cNvSpPr>
+            <a:spLocks noGrp="1"/>
+          </p:cNvSpPr>
+          <p:nvPr>
+            <p:ph type="subTitle" idx="1"/>
+          </p:nvPr>
+        </p:nvSpPr>
+        <p:spPr>
+          <a:xfrm>
+            <a:off x="1151861" y="3038512"/>
+            <a:ext cx="9144000" cy="1655762"/>
+          </a:xfrm>
+        </p:spPr>
+        <p:txBody>
+          <a:bodyPr>
+            <a:normAutofit fontScale="77500" lnSpcReduction="20000"/>
+          </a:bodyPr>
+          <a:lstStyle/>
+          <a:p>
+            <a:pPr algn="l"/>
+            <a:r>
+              <a:rPr lang="ja-JP" altLang="en-US" sz="4800" dirty="0"/>
+              <a:t>・</a:t>
+            </a:r>
+            <a:r>
+              <a:rPr lang="en-US" altLang="ja-JP" sz="4800" dirty="0"/>
+              <a:t>Sort</a:t>
+            </a:r>
+            <a:r>
+              <a:rPr lang="ja-JP" altLang="en-US" sz="4800" dirty="0"/>
+              <a:t>機能</a:t>
+            </a:r>
+            <a:endParaRPr lang="en-US" altLang="ja-JP" sz="4800" dirty="0"/>
+          </a:p>
+          <a:p>
+            <a:pPr algn="l"/>
+            <a:r>
+              <a:rPr lang="ja-JP" altLang="en-US" sz="4800" dirty="0"/>
+              <a:t>・写真の追加</a:t>
+            </a:r>
+            <a:endParaRPr lang="en-US" altLang="ja-JP" sz="4800" dirty="0"/>
+          </a:p>
+          <a:p>
+            <a:pPr algn="l"/>
+            <a:r>
+              <a:rPr lang="ja-JP" altLang="en-US" sz="4800" dirty="0"/>
+              <a:t>・履歴</a:t>
+            </a:r>
+            <a:endParaRPr lang="en-US" altLang="ja-JP" sz="4800" dirty="0"/>
+          </a:p>
+          <a:p>
+            <a:endParaRPr lang="en-US" altLang="ja-JP" sz="4800" dirty="0"/>
+          </a:p>
+          <a:p>
+            <a:endParaRPr lang="en-US" altLang="ja-JP" sz="4800" dirty="0"/>
+          </a:p>
+        </p:txBody>
+      </p:sp>
+    </p:spTree>
+    <p:extLst>
+      <p:ext uri="{BB962C8B-B14F-4D97-AF65-F5344CB8AC3E}">
+        <p14:creationId xmlns:p14="http://schemas.microsoft.com/office/powerpoint/2010/main" val="2602913219"/>
+      </p:ext>
+    </p:extLst>
+  </p:cSld>
+  <p:clrMapOvr>
+    <a:masterClrMapping/>
+  </p:clrMapOvr>
+</p:sld>
+</file>
+
+<file path=ppt/slides/slide5.xml><?xml version="1.0" encoding="utf-8"?>
+<p:sld xmlns:a="http://schemas.openxmlformats.org/drawingml/2006/main" xmlns:r="http://schemas.openxmlformats.org/officeDocument/2006/relationships" xmlns:p="http://schemas.openxmlformats.org/presentationml/2006/main">
+  <p:cSld>
+    <p:spTree>
+      <p:nvGrpSpPr>
+        <p:cNvPr id="1" name=""/>
+        <p:cNvGrpSpPr/>
+        <p:nvPr/>
+      </p:nvGrpSpPr>
+      <p:grpSpPr>
+        <a:xfrm>
+          <a:off x="0" y="0"/>
+          <a:ext cx="0" cy="0"/>
+          <a:chOff x="0" y="0"/>
+          <a:chExt cx="0" cy="0"/>
+        </a:xfrm>
+      </p:grpSpPr>
+      <p:sp>
+        <p:nvSpPr>
+          <p:cNvPr id="2" name="タイトル 1">
+            <a:extLst>
+              <a:ext uri="{FF2B5EF4-FFF2-40B4-BE49-F238E27FC236}">
+                <a16:creationId xmlns:a16="http://schemas.microsoft.com/office/drawing/2014/main" id="{5DB21E2A-26A9-AAE0-AB17-F7B051B14E93}"/>
+              </a:ext>
+            </a:extLst>
+          </p:cNvPr>
+          <p:cNvSpPr>
+            <a:spLocks noGrp="1"/>
+          </p:cNvSpPr>
+          <p:nvPr>
+            <p:ph type="title"/>
+          </p:nvPr>
+        </p:nvSpPr>
+        <p:spPr/>
+        <p:txBody>
+          <a:bodyPr/>
+          <a:lstStyle/>
+          <a:p>
+            <a:r>
+              <a:rPr kumimoji="1" lang="en-US" altLang="ja-JP" dirty="0"/>
+              <a:t> </a:t>
+            </a:r>
+            <a:r>
+              <a:rPr kumimoji="1" lang="ja-JP" altLang="en-US" b="1" dirty="0"/>
+              <a:t>まとめ</a:t>
+            </a:r>
+          </a:p>
+        </p:txBody>
+      </p:sp>
+      <p:sp>
+        <p:nvSpPr>
+          <p:cNvPr id="3" name="コンテンツ プレースホルダー 2">
+            <a:extLst>
+              <a:ext uri="{FF2B5EF4-FFF2-40B4-BE49-F238E27FC236}">
+                <a16:creationId xmlns:a16="http://schemas.microsoft.com/office/drawing/2014/main" id="{CC735390-2479-9DB8-E092-94FF873A253F}"/>
+              </a:ext>
+            </a:extLst>
+          </p:cNvPr>
+          <p:cNvSpPr>
+            <a:spLocks noGrp="1"/>
+          </p:cNvSpPr>
+          <p:nvPr>
+            <p:ph idx="1"/>
+          </p:nvPr>
+        </p:nvSpPr>
+        <p:spPr>
+          <a:xfrm>
+            <a:off x="838200" y="2888881"/>
+            <a:ext cx="10515600" cy="4351338"/>
+          </a:xfrm>
+        </p:spPr>
+        <p:txBody>
+          <a:bodyPr/>
+          <a:lstStyle/>
+          <a:p>
+            <a:r>
+              <a:rPr kumimoji="1" lang="ja-JP" altLang="en-US" dirty="0"/>
+              <a:t>卒業制作でも</a:t>
+            </a:r>
+            <a:r>
+              <a:rPr kumimoji="1" lang="en-US" altLang="ja-JP" dirty="0"/>
+              <a:t>flutter</a:t>
+            </a:r>
+            <a:r>
+              <a:rPr kumimoji="1" lang="ja-JP" altLang="en-US" dirty="0"/>
+              <a:t>を使うので、コードを使いまわせるように今頑張りました。</a:t>
+            </a:r>
+            <a:endParaRPr kumimoji="1" lang="en-US" altLang="ja-JP" dirty="0"/>
+          </a:p>
+          <a:p>
+            <a:r>
+              <a:rPr lang="ja-JP" altLang="en-US" dirty="0"/>
+              <a:t>結構楽しかったです。</a:t>
+            </a:r>
+            <a:endParaRPr kumimoji="1" lang="ja-JP" altLang="en-US" dirty="0"/>
+          </a:p>
+        </p:txBody>
+      </p:sp>
+    </p:spTree>
+    <p:extLst>
+      <p:ext uri="{BB962C8B-B14F-4D97-AF65-F5344CB8AC3E}">
+        <p14:creationId xmlns:p14="http://schemas.microsoft.com/office/powerpoint/2010/main" val="1075695751"/>
       </p:ext>
     </p:extLst>
   </p:cSld>
